--- a/docs/assets/fractals/plants/canopy.pptx
+++ b/docs/assets/fractals/plants/canopy.pptx
@@ -243,7 +243,7 @@
           <a:p>
             <a:fld id="{7E3CDC19-A6FA-514B-9EDF-1F2A3FEB69D6}" type="datetimeFigureOut">
               <a:rPr lang="en-GB" smtClean="0"/>
-              <a:t>19/10/2024</a:t>
+              <a:t>26/10/2024</a:t>
             </a:fld>
             <a:endParaRPr lang="en-GB"/>
           </a:p>
@@ -413,7 +413,7 @@
           <a:p>
             <a:fld id="{7E3CDC19-A6FA-514B-9EDF-1F2A3FEB69D6}" type="datetimeFigureOut">
               <a:rPr lang="en-GB" smtClean="0"/>
-              <a:t>19/10/2024</a:t>
+              <a:t>26/10/2024</a:t>
             </a:fld>
             <a:endParaRPr lang="en-GB"/>
           </a:p>
@@ -593,7 +593,7 @@
           <a:p>
             <a:fld id="{7E3CDC19-A6FA-514B-9EDF-1F2A3FEB69D6}" type="datetimeFigureOut">
               <a:rPr lang="en-GB" smtClean="0"/>
-              <a:t>19/10/2024</a:t>
+              <a:t>26/10/2024</a:t>
             </a:fld>
             <a:endParaRPr lang="en-GB"/>
           </a:p>
@@ -763,7 +763,7 @@
           <a:p>
             <a:fld id="{7E3CDC19-A6FA-514B-9EDF-1F2A3FEB69D6}" type="datetimeFigureOut">
               <a:rPr lang="en-GB" smtClean="0"/>
-              <a:t>19/10/2024</a:t>
+              <a:t>26/10/2024</a:t>
             </a:fld>
             <a:endParaRPr lang="en-GB"/>
           </a:p>
@@ -1007,7 +1007,7 @@
           <a:p>
             <a:fld id="{7E3CDC19-A6FA-514B-9EDF-1F2A3FEB69D6}" type="datetimeFigureOut">
               <a:rPr lang="en-GB" smtClean="0"/>
-              <a:t>19/10/2024</a:t>
+              <a:t>26/10/2024</a:t>
             </a:fld>
             <a:endParaRPr lang="en-GB"/>
           </a:p>
@@ -1239,7 +1239,7 @@
           <a:p>
             <a:fld id="{7E3CDC19-A6FA-514B-9EDF-1F2A3FEB69D6}" type="datetimeFigureOut">
               <a:rPr lang="en-GB" smtClean="0"/>
-              <a:t>19/10/2024</a:t>
+              <a:t>26/10/2024</a:t>
             </a:fld>
             <a:endParaRPr lang="en-GB"/>
           </a:p>
@@ -1606,7 +1606,7 @@
           <a:p>
             <a:fld id="{7E3CDC19-A6FA-514B-9EDF-1F2A3FEB69D6}" type="datetimeFigureOut">
               <a:rPr lang="en-GB" smtClean="0"/>
-              <a:t>19/10/2024</a:t>
+              <a:t>26/10/2024</a:t>
             </a:fld>
             <a:endParaRPr lang="en-GB"/>
           </a:p>
@@ -1724,7 +1724,7 @@
           <a:p>
             <a:fld id="{7E3CDC19-A6FA-514B-9EDF-1F2A3FEB69D6}" type="datetimeFigureOut">
               <a:rPr lang="en-GB" smtClean="0"/>
-              <a:t>19/10/2024</a:t>
+              <a:t>26/10/2024</a:t>
             </a:fld>
             <a:endParaRPr lang="en-GB"/>
           </a:p>
@@ -1819,7 +1819,7 @@
           <a:p>
             <a:fld id="{7E3CDC19-A6FA-514B-9EDF-1F2A3FEB69D6}" type="datetimeFigureOut">
               <a:rPr lang="en-GB" smtClean="0"/>
-              <a:t>19/10/2024</a:t>
+              <a:t>26/10/2024</a:t>
             </a:fld>
             <a:endParaRPr lang="en-GB"/>
           </a:p>
@@ -2096,7 +2096,7 @@
           <a:p>
             <a:fld id="{7E3CDC19-A6FA-514B-9EDF-1F2A3FEB69D6}" type="datetimeFigureOut">
               <a:rPr lang="en-GB" smtClean="0"/>
-              <a:t>19/10/2024</a:t>
+              <a:t>26/10/2024</a:t>
             </a:fld>
             <a:endParaRPr lang="en-GB"/>
           </a:p>
@@ -2353,7 +2353,7 @@
           <a:p>
             <a:fld id="{7E3CDC19-A6FA-514B-9EDF-1F2A3FEB69D6}" type="datetimeFigureOut">
               <a:rPr lang="en-GB" smtClean="0"/>
-              <a:t>19/10/2024</a:t>
+              <a:t>26/10/2024</a:t>
             </a:fld>
             <a:endParaRPr lang="en-GB"/>
           </a:p>
@@ -2566,7 +2566,7 @@
           <a:p>
             <a:fld id="{7E3CDC19-A6FA-514B-9EDF-1F2A3FEB69D6}" type="datetimeFigureOut">
               <a:rPr lang="en-GB" smtClean="0"/>
-              <a:t>19/10/2024</a:t>
+              <a:t>26/10/2024</a:t>
             </a:fld>
             <a:endParaRPr lang="en-GB"/>
           </a:p>
@@ -2985,13 +2985,13 @@
         </p:nvCxnSpPr>
         <p:spPr>
           <a:xfrm>
-            <a:off x="3600000" y="5760000"/>
-            <a:ext cx="0" cy="1440000"/>
+            <a:off x="3600000" y="5400000"/>
+            <a:ext cx="0" cy="1800000"/>
           </a:xfrm>
           <a:prstGeom prst="line">
             <a:avLst/>
           </a:prstGeom>
-          <a:ln w="12700">
+          <a:ln w="50800">
             <a:solidFill>
               <a:schemeClr val="tx1"/>
             </a:solidFill>
@@ -3029,13 +3029,13 @@
               <p:nvPr>
                 <p:extLst>
                   <p:ext uri="{D42A27DB-BD31-4B8C-83A1-F6EECF244321}">
-                    <p14:modId xmlns:p14="http://schemas.microsoft.com/office/powerpoint/2010/main" val="2416204726"/>
+                    <p14:modId xmlns:p14="http://schemas.microsoft.com/office/powerpoint/2010/main" val="1946756719"/>
                   </p:ext>
                 </p:extLst>
               </p:nvPr>
             </p:nvGraphicFramePr>
             <p:xfrm rot="960000">
-              <a:off x="1641600" y="486000"/>
+              <a:off x="1649267" y="149825"/>
               <a:ext cx="5400000" cy="5400000"/>
             </p:xfrm>
             <a:graphic>
@@ -3089,7 +3089,7 @@
             </p:blipFill>
             <p:spPr>
               <a:xfrm rot="960000">
-                <a:off x="1641600" y="486000"/>
+                <a:off x="1649267" y="149825"/>
                 <a:ext cx="5400000" cy="5400000"/>
               </a:xfrm>
               <a:prstGeom prst="rect">
@@ -3116,13 +3116,13 @@
               <p:nvPr>
                 <p:extLst>
                   <p:ext uri="{D42A27DB-BD31-4B8C-83A1-F6EECF244321}">
-                    <p14:modId xmlns:p14="http://schemas.microsoft.com/office/powerpoint/2010/main" val="1202367250"/>
+                    <p14:modId xmlns:p14="http://schemas.microsoft.com/office/powerpoint/2010/main" val="3087678371"/>
                   </p:ext>
                 </p:extLst>
               </p:nvPr>
             </p:nvGraphicFramePr>
-            <p:xfrm rot="20580000">
-              <a:off x="95711" y="486891"/>
+            <p:xfrm rot="20640000">
+              <a:off x="153407" y="152231"/>
               <a:ext cx="5400000" cy="5400000"/>
             </p:xfrm>
             <a:graphic>
@@ -3137,7 +3137,7 @@
                         </a:stretch>
                       </p166:blipFill>
                       <p166:spPr xmlns:p166="http://schemas.microsoft.com/office/powerpoint/2016/6/main">
-                        <a:xfrm rot="20580000">
+                        <a:xfrm rot="20640000">
                           <a:off x="0" y="0"/>
                           <a:ext cx="5400000" cy="5400000"/>
                         </a:xfrm>
@@ -3175,8 +3175,8 @@
               </a:stretch>
             </p:blipFill>
             <p:spPr>
-              <a:xfrm rot="20580000">
-                <a:off x="95711" y="486891"/>
+              <a:xfrm rot="20640000">
+                <a:off x="153407" y="152231"/>
                 <a:ext cx="5400000" cy="5400000"/>
               </a:xfrm>
               <a:prstGeom prst="rect">
@@ -3186,58 +3186,6 @@
           </p:pic>
         </mc:Fallback>
       </mc:AlternateContent>
-      <p:sp>
-        <p:nvSpPr>
-          <p:cNvPr id="9" name="Rectangle 8">
-            <a:extLst>
-              <a:ext uri="{FF2B5EF4-FFF2-40B4-BE49-F238E27FC236}">
-                <a16:creationId xmlns:a16="http://schemas.microsoft.com/office/drawing/2014/main" id="{836FE0D6-A19B-E482-F167-350881B6D3D8}"/>
-              </a:ext>
-            </a:extLst>
-          </p:cNvPr>
-          <p:cNvSpPr/>
-          <p:nvPr/>
-        </p:nvSpPr>
-        <p:spPr>
-          <a:xfrm>
-            <a:off x="3528000" y="5760000"/>
-            <a:ext cx="144000" cy="1440000"/>
-          </a:xfrm>
-          <a:prstGeom prst="rect">
-            <a:avLst/>
-          </a:prstGeom>
-          <a:solidFill>
-            <a:schemeClr val="tx1"/>
-          </a:solidFill>
-          <a:ln>
-            <a:noFill/>
-          </a:ln>
-        </p:spPr>
-        <p:style>
-          <a:lnRef idx="2">
-            <a:schemeClr val="accent1">
-              <a:shade val="50000"/>
-            </a:schemeClr>
-          </a:lnRef>
-          <a:fillRef idx="1">
-            <a:schemeClr val="accent1"/>
-          </a:fillRef>
-          <a:effectRef idx="0">
-            <a:schemeClr val="accent1"/>
-          </a:effectRef>
-          <a:fontRef idx="minor">
-            <a:schemeClr val="lt1"/>
-          </a:fontRef>
-        </p:style>
-        <p:txBody>
-          <a:bodyPr rtlCol="0" anchor="ctr"/>
-          <a:lstStyle/>
-          <a:p>
-            <a:pPr algn="ctr"/>
-            <a:endParaRPr lang="en-GB"/>
-          </a:p>
-        </p:txBody>
-      </p:sp>
     </p:spTree>
     <p:extLst>
       <p:ext uri="{BB962C8B-B14F-4D97-AF65-F5344CB8AC3E}">
